--- a/Python_Adafruit/11_Adafruit.pptx
+++ b/Python_Adafruit/11_Adafruit.pptx
@@ -5,7 +5,7 @@
     <p:sldMasterId id="2147483663" r:id="rId1"/>
   </p:sldMasterIdLst>
   <p:notesMasterIdLst>
-    <p:notesMasterId r:id="rId35"/>
+    <p:notesMasterId r:id="rId36"/>
   </p:notesMasterIdLst>
   <p:sldIdLst>
     <p:sldId id="257" r:id="rId2"/>
@@ -40,7 +40,8 @@
     <p:sldId id="332" r:id="rId31"/>
     <p:sldId id="333" r:id="rId32"/>
     <p:sldId id="334" r:id="rId33"/>
-    <p:sldId id="481" r:id="rId34"/>
+    <p:sldId id="496" r:id="rId34"/>
+    <p:sldId id="481" r:id="rId35"/>
   </p:sldIdLst>
   <p:sldSz cx="12192000" cy="6858000"/>
   <p:notesSz cx="6858000" cy="9144000"/>
@@ -139,6 +140,11 @@
       </a:defRPr>
     </a:lvl9pPr>
   </p:defaultTextStyle>
+  <p:extLst>
+    <p:ext uri="{EFAFB233-063F-42B5-8137-9DF3F51BA10A}">
+      <p15:sldGuideLst xmlns:p15="http://schemas.microsoft.com/office/powerpoint/2012/main"/>
+    </p:ext>
+  </p:extLst>
 </p:presentation>
 </file>
 
@@ -224,7 +230,7 @@
           <a:p>
             <a:fld id="{46BBE498-7B75-CE47-B351-437A8E0C72FF}" type="datetimeFigureOut">
               <a:rPr lang="es-ES_tradnl" smtClean="0"/>
-              <a:t>3/11/22</a:t>
+              <a:t>26/04/2023</a:t>
             </a:fld>
             <a:endParaRPr lang="es-ES_tradnl"/>
           </a:p>
@@ -899,7 +905,7 @@
           <a:effectLst/>
           <a:extLst>
             <a:ext uri="{91240B29-F687-4f45-9708-019B960494DF}">
-              <a14:hiddenLine xmlns:a14="http://schemas.microsoft.com/office/drawing/2010/main" xmlns="" w="9525">
+              <a14:hiddenLine xmlns="" xmlns:a14="http://schemas.microsoft.com/office/drawing/2010/main" w="9525">
                 <a:solidFill>
                   <a:srgbClr val="000000"/>
                 </a:solidFill>
@@ -1091,7 +1097,7 @@
           <a:p>
             <a:fld id="{7EF395AC-DB31-E242-9159-304009A2D8A5}" type="datetimeFigureOut">
               <a:rPr lang="es-ES_tradnl" smtClean="0"/>
-              <a:t>3/11/22</a:t>
+              <a:t>26/04/2023</a:t>
             </a:fld>
             <a:endParaRPr lang="es-ES_tradnl"/>
           </a:p>
@@ -1409,7 +1415,7 @@
           <a:p>
             <a:fld id="{7EF395AC-DB31-E242-9159-304009A2D8A5}" type="datetimeFigureOut">
               <a:rPr lang="es-ES_tradnl" smtClean="0"/>
-              <a:t>3/11/22</a:t>
+              <a:t>26/04/2023</a:t>
             </a:fld>
             <a:endParaRPr lang="es-ES_tradnl"/>
           </a:p>
@@ -1897,7 +1903,7 @@
           <a:p>
             <a:fld id="{7EF395AC-DB31-E242-9159-304009A2D8A5}" type="datetimeFigureOut">
               <a:rPr lang="es-ES_tradnl" smtClean="0"/>
-              <a:t>3/11/22</a:t>
+              <a:t>26/04/2023</a:t>
             </a:fld>
             <a:endParaRPr lang="es-ES_tradnl"/>
           </a:p>
@@ -2266,7 +2272,7 @@
           <a:p>
             <a:fld id="{7EF395AC-DB31-E242-9159-304009A2D8A5}" type="datetimeFigureOut">
               <a:rPr lang="es-ES_tradnl" smtClean="0"/>
-              <a:t>3/11/22</a:t>
+              <a:t>26/04/2023</a:t>
             </a:fld>
             <a:endParaRPr lang="es-ES_tradnl"/>
           </a:p>
@@ -2421,7 +2427,7 @@
           <a:ln/>
           <a:extLst>
             <a:ext uri="{91240B29-F687-4f45-9708-019B960494DF}">
-              <a14:hiddenLine xmlns:a14="http://schemas.microsoft.com/office/drawing/2010/main" xmlns="" w="9525">
+              <a14:hiddenLine xmlns="" xmlns:a14="http://schemas.microsoft.com/office/drawing/2010/main" w="9525">
                 <a:solidFill>
                   <a:srgbClr val="000000"/>
                 </a:solidFill>
@@ -2539,7 +2545,7 @@
           <a:p>
             <a:fld id="{7EF395AC-DB31-E242-9159-304009A2D8A5}" type="datetimeFigureOut">
               <a:rPr lang="es-ES_tradnl" smtClean="0"/>
-              <a:t>3/11/22</a:t>
+              <a:t>26/04/2023</a:t>
             </a:fld>
             <a:endParaRPr lang="es-ES_tradnl"/>
           </a:p>
@@ -2696,7 +2702,7 @@
           <a:ln/>
           <a:extLst>
             <a:ext uri="{91240B29-F687-4f45-9708-019B960494DF}">
-              <a14:hiddenLine xmlns:a14="http://schemas.microsoft.com/office/drawing/2010/main" xmlns="" w="9525">
+              <a14:hiddenLine xmlns="" xmlns:a14="http://schemas.microsoft.com/office/drawing/2010/main" w="9525">
                 <a:solidFill>
                   <a:srgbClr val="000000"/>
                 </a:solidFill>
@@ -2824,7 +2830,7 @@
           <a:p>
             <a:fld id="{7EF395AC-DB31-E242-9159-304009A2D8A5}" type="datetimeFigureOut">
               <a:rPr lang="es-ES_tradnl" smtClean="0"/>
-              <a:t>3/11/22</a:t>
+              <a:t>26/04/2023</a:t>
             </a:fld>
             <a:endParaRPr lang="es-ES_tradnl"/>
           </a:p>
@@ -5689,7 +5695,7 @@
           <a:ln/>
           <a:extLst>
             <a:ext uri="{91240B29-F687-4f45-9708-019B960494DF}">
-              <a14:hiddenLine xmlns:a14="http://schemas.microsoft.com/office/drawing/2010/main" xmlns="" w="9525">
+              <a14:hiddenLine xmlns="" xmlns:a14="http://schemas.microsoft.com/office/drawing/2010/main" w="9525">
                 <a:solidFill>
                   <a:srgbClr val="000000"/>
                 </a:solidFill>
@@ -5817,7 +5823,7 @@
           <a:p>
             <a:fld id="{7EF395AC-DB31-E242-9159-304009A2D8A5}" type="datetimeFigureOut">
               <a:rPr lang="es-ES_tradnl" smtClean="0"/>
-              <a:t>3/11/22</a:t>
+              <a:t>26/04/2023</a:t>
             </a:fld>
             <a:endParaRPr lang="es-ES_tradnl"/>
           </a:p>
@@ -6160,7 +6166,7 @@
           <a:p>
             <a:fld id="{7EF395AC-DB31-E242-9159-304009A2D8A5}" type="datetimeFigureOut">
               <a:rPr lang="es-ES_tradnl" smtClean="0"/>
-              <a:t>3/11/22</a:t>
+              <a:t>26/04/2023</a:t>
             </a:fld>
             <a:endParaRPr lang="es-ES_tradnl"/>
           </a:p>
@@ -6315,7 +6321,7 @@
           <a:ln/>
           <a:extLst>
             <a:ext uri="{91240B29-F687-4f45-9708-019B960494DF}">
-              <a14:hiddenLine xmlns:a14="http://schemas.microsoft.com/office/drawing/2010/main" xmlns="" w="9525">
+              <a14:hiddenLine xmlns="" xmlns:a14="http://schemas.microsoft.com/office/drawing/2010/main" w="9525">
                 <a:solidFill>
                   <a:srgbClr val="000000"/>
                 </a:solidFill>
@@ -6499,7 +6505,7 @@
           <a:p>
             <a:fld id="{7EF395AC-DB31-E242-9159-304009A2D8A5}" type="datetimeFigureOut">
               <a:rPr lang="es-ES_tradnl" smtClean="0"/>
-              <a:t>3/11/22</a:t>
+              <a:t>26/04/2023</a:t>
             </a:fld>
             <a:endParaRPr lang="es-ES_tradnl"/>
           </a:p>
@@ -6654,7 +6660,7 @@
           <a:ln/>
           <a:extLst>
             <a:ext uri="{91240B29-F687-4f45-9708-019B960494DF}">
-              <a14:hiddenLine xmlns:a14="http://schemas.microsoft.com/office/drawing/2010/main" xmlns="" w="9525">
+              <a14:hiddenLine xmlns="" xmlns:a14="http://schemas.microsoft.com/office/drawing/2010/main" w="9525">
                 <a:solidFill>
                   <a:srgbClr val="000000"/>
                 </a:solidFill>
@@ -6976,7 +6982,7 @@
           <a:p>
             <a:fld id="{7EF395AC-DB31-E242-9159-304009A2D8A5}" type="datetimeFigureOut">
               <a:rPr lang="es-ES_tradnl" smtClean="0"/>
-              <a:t>3/11/22</a:t>
+              <a:t>26/04/2023</a:t>
             </a:fld>
             <a:endParaRPr lang="es-ES_tradnl"/>
           </a:p>
@@ -7131,7 +7137,7 @@
           <a:ln/>
           <a:extLst>
             <a:ext uri="{91240B29-F687-4f45-9708-019B960494DF}">
-              <a14:hiddenLine xmlns:a14="http://schemas.microsoft.com/office/drawing/2010/main" xmlns="" w="9525">
+              <a14:hiddenLine xmlns="" xmlns:a14="http://schemas.microsoft.com/office/drawing/2010/main" w="9525">
                 <a:solidFill>
                   <a:srgbClr val="000000"/>
                 </a:solidFill>
@@ -7197,7 +7203,7 @@
           <a:p>
             <a:fld id="{7EF395AC-DB31-E242-9159-304009A2D8A5}" type="datetimeFigureOut">
               <a:rPr lang="es-ES_tradnl" smtClean="0"/>
-              <a:t>3/11/22</a:t>
+              <a:t>26/04/2023</a:t>
             </a:fld>
             <a:endParaRPr lang="es-ES_tradnl"/>
           </a:p>
@@ -7292,7 +7298,7 @@
           <a:p>
             <a:fld id="{7EF395AC-DB31-E242-9159-304009A2D8A5}" type="datetimeFigureOut">
               <a:rPr lang="es-ES_tradnl" smtClean="0"/>
-              <a:t>3/11/22</a:t>
+              <a:t>26/04/2023</a:t>
             </a:fld>
             <a:endParaRPr lang="es-ES_tradnl"/>
           </a:p>
@@ -7560,7 +7566,7 @@
           <a:ln/>
           <a:extLst>
             <a:ext uri="{91240B29-F687-4f45-9708-019B960494DF}">
-              <a14:hiddenLine xmlns:a14="http://schemas.microsoft.com/office/drawing/2010/main" xmlns="" w="9525">
+              <a14:hiddenLine xmlns="" xmlns:a14="http://schemas.microsoft.com/office/drawing/2010/main" w="9525">
                 <a:solidFill>
                   <a:srgbClr val="000000"/>
                 </a:solidFill>
@@ -7759,7 +7765,7 @@
           <a:p>
             <a:fld id="{7EF395AC-DB31-E242-9159-304009A2D8A5}" type="datetimeFigureOut">
               <a:rPr lang="es-ES_tradnl" smtClean="0"/>
-              <a:t>3/11/22</a:t>
+              <a:t>26/04/2023</a:t>
             </a:fld>
             <a:endParaRPr lang="es-ES_tradnl"/>
           </a:p>
@@ -8072,7 +8078,7 @@
           <a:p>
             <a:fld id="{7EF395AC-DB31-E242-9159-304009A2D8A5}" type="datetimeFigureOut">
               <a:rPr lang="es-ES_tradnl" smtClean="0"/>
-              <a:t>3/11/22</a:t>
+              <a:t>26/04/2023</a:t>
             </a:fld>
             <a:endParaRPr lang="es-ES_tradnl"/>
           </a:p>
@@ -8342,7 +8348,7 @@
           <a:p>
             <a:fld id="{7EF395AC-DB31-E242-9159-304009A2D8A5}" type="datetimeFigureOut">
               <a:rPr lang="es-ES_tradnl" smtClean="0"/>
-              <a:t>3/11/22</a:t>
+              <a:t>26/04/2023</a:t>
             </a:fld>
             <a:endParaRPr lang="es-ES_tradnl"/>
           </a:p>
@@ -16890,6 +16896,109 @@
       </p:grpSpPr>
       <p:sp>
         <p:nvSpPr>
+          <p:cNvPr id="2" name="Title 1">
+            <a:extLst>
+              <a:ext uri="{FF2B5EF4-FFF2-40B4-BE49-F238E27FC236}">
+                <a16:creationId xmlns:a16="http://schemas.microsoft.com/office/drawing/2014/main" id="{CBC06B2E-19D0-0FE6-BEB0-0AB4B88108E5}"/>
+              </a:ext>
+            </a:extLst>
+          </p:cNvPr>
+          <p:cNvSpPr>
+            <a:spLocks noGrp="1"/>
+          </p:cNvSpPr>
+          <p:nvPr>
+            <p:ph type="title"/>
+          </p:nvPr>
+        </p:nvSpPr>
+        <p:spPr/>
+        <p:txBody>
+          <a:bodyPr/>
+          <a:lstStyle/>
+          <a:p>
+            <a:r>
+              <a:rPr lang="en-US" dirty="0"/>
+              <a:t>Adafruit Examples on Python</a:t>
+            </a:r>
+            <a:endParaRPr lang="es-GT" dirty="0"/>
+          </a:p>
+        </p:txBody>
+      </p:sp>
+      <p:sp>
+        <p:nvSpPr>
+          <p:cNvPr id="3" name="Content Placeholder 2">
+            <a:extLst>
+              <a:ext uri="{FF2B5EF4-FFF2-40B4-BE49-F238E27FC236}">
+                <a16:creationId xmlns:a16="http://schemas.microsoft.com/office/drawing/2014/main" id="{A81CDEF3-3578-08DB-A6B8-DA65BF68F51C}"/>
+              </a:ext>
+            </a:extLst>
+          </p:cNvPr>
+          <p:cNvSpPr>
+            <a:spLocks noGrp="1"/>
+          </p:cNvSpPr>
+          <p:nvPr>
+            <p:ph idx="1"/>
+          </p:nvPr>
+        </p:nvSpPr>
+        <p:spPr>
+          <a:xfrm>
+            <a:off x="818712" y="2222287"/>
+            <a:ext cx="10718110" cy="3636511"/>
+          </a:xfrm>
+        </p:spPr>
+        <p:txBody>
+          <a:bodyPr>
+            <a:normAutofit/>
+          </a:bodyPr>
+          <a:lstStyle/>
+          <a:p>
+            <a:pPr marL="0" indent="0">
+              <a:buNone/>
+            </a:pPr>
+            <a:r>
+              <a:rPr lang="es-GT" sz="2400" dirty="0">
+                <a:hlinkClick r:id="rId2"/>
+              </a:rPr>
+              <a:t>https://github.com/adafruit/Adafruit_IO_Python/tree/master/examples</a:t>
+            </a:r>
+            <a:r>
+              <a:rPr lang="es-GT" sz="2400" dirty="0"/>
+              <a:t> </a:t>
+            </a:r>
+          </a:p>
+        </p:txBody>
+      </p:sp>
+    </p:spTree>
+    <p:extLst>
+      <p:ext uri="{BB962C8B-B14F-4D97-AF65-F5344CB8AC3E}">
+        <p14:creationId xmlns:p14="http://schemas.microsoft.com/office/powerpoint/2010/main" val="3748334588"/>
+      </p:ext>
+    </p:extLst>
+  </p:cSld>
+  <p:clrMapOvr>
+    <a:masterClrMapping/>
+  </p:clrMapOvr>
+</p:sld>
+</file>
+
+<file path=ppt/slides/slide34.xml><?xml version="1.0" encoding="utf-8"?>
+<p:sld xmlns:a="http://schemas.openxmlformats.org/drawingml/2006/main" xmlns:r="http://schemas.openxmlformats.org/officeDocument/2006/relationships" xmlns:p="http://schemas.openxmlformats.org/presentationml/2006/main">
+  <p:cSld>
+    <p:spTree>
+      <p:nvGrpSpPr>
+        <p:cNvPr id="1" name=""/>
+        <p:cNvGrpSpPr/>
+        <p:nvPr/>
+      </p:nvGrpSpPr>
+      <p:grpSpPr>
+        <a:xfrm>
+          <a:off x="0" y="0"/>
+          <a:ext cx="0" cy="0"/>
+          <a:chOff x="0" y="0"/>
+          <a:chExt cx="0" cy="0"/>
+        </a:xfrm>
+      </p:grpSpPr>
+      <p:sp>
+        <p:nvSpPr>
           <p:cNvPr id="5" name="Título 4">
             <a:extLst>
               <a:ext uri="{FF2B5EF4-FFF2-40B4-BE49-F238E27FC236}">
